--- a/files/admin-guide/SAC-admin-guide-edit-homepage.pptx
+++ b/files/admin-guide/SAC-admin-guide-edit-homepage.pptx
@@ -18,7 +18,7 @@
     <p:sldId id="342" r:id="rId9"/>
     <p:sldId id="343" r:id="rId10"/>
     <p:sldId id="344" r:id="rId11"/>
-    <p:sldId id="345" r:id="rId12"/>
+    <p:sldId id="348" r:id="rId12"/>
     <p:sldId id="346" r:id="rId13"/>
     <p:sldId id="347" r:id="rId14"/>
     <p:sldId id="339" r:id="rId15"/>
@@ -234,7 +234,7 @@
           <a:p>
             <a:fld id="{E423CC32-96CD-44F0-8162-1CACD40F9286}" type="datetimeFigureOut">
               <a:rPr lang="en-SG" smtClean="0"/>
-              <a:t>28/6/2019</a:t>
+              <a:t>2/7/2019</a:t>
             </a:fld>
             <a:endParaRPr lang="en-SG"/>
           </a:p>
@@ -2940,9 +2940,59 @@
           </a:p>
         </p:txBody>
       </p:sp>
+      <p:sp>
+        <p:nvSpPr>
+          <p:cNvPr id="9" name="Content Placeholder 1"/>
+          <p:cNvSpPr>
+            <a:spLocks noGrp="1"/>
+          </p:cNvSpPr>
+          <p:nvPr>
+            <p:ph sz="half" idx="1"/>
+          </p:nvPr>
+        </p:nvSpPr>
+        <p:spPr>
+          <a:xfrm>
+            <a:off x="610251" y="1363277"/>
+            <a:ext cx="10836415" cy="422252"/>
+          </a:xfrm>
+        </p:spPr>
+        <p:txBody>
+          <a:bodyPr/>
+          <a:lstStyle/>
+          <a:p>
+            <a:pPr marL="0" indent="0">
+              <a:buNone/>
+            </a:pPr>
+            <a:r>
+              <a:rPr lang="en-US" dirty="0" smtClean="0">
+                <a:solidFill>
+                  <a:srgbClr val="2A3643"/>
+                </a:solidFill>
+              </a:rPr>
+              <a:t>Isomer </a:t>
+            </a:r>
+            <a:r>
+              <a:rPr lang="en-US" dirty="0" smtClean="0">
+                <a:solidFill>
+                  <a:srgbClr val="2A3643"/>
+                </a:solidFill>
+              </a:rPr>
+              <a:t>Info </a:t>
+            </a:r>
+            <a:r>
+              <a:rPr lang="en-US" dirty="0" smtClean="0">
+                <a:solidFill>
+                  <a:srgbClr val="2A3643"/>
+                </a:solidFill>
+              </a:rPr>
+              <a:t>section</a:t>
+            </a:r>
+          </a:p>
+        </p:txBody>
+      </p:sp>
       <p:pic>
         <p:nvPicPr>
-          <p:cNvPr id="2" name="Picture 1"/>
+          <p:cNvPr id="3" name="Picture 2"/>
           <p:cNvPicPr>
             <a:picLocks noChangeAspect="1"/>
           </p:cNvPicPr>
@@ -2956,8 +3006,8 @@
         </p:blipFill>
         <p:spPr>
           <a:xfrm>
-            <a:off x="6028459" y="2528021"/>
-            <a:ext cx="5831673" cy="2016270"/>
+            <a:off x="5895201" y="2198915"/>
+            <a:ext cx="6017150" cy="2921725"/>
           </a:xfrm>
           <a:prstGeom prst="rect">
             <a:avLst/>
@@ -2971,7 +3021,7 @@
       </p:pic>
       <p:pic>
         <p:nvPicPr>
-          <p:cNvPr id="5" name="Picture 4"/>
+          <p:cNvPr id="6" name="Picture 5"/>
           <p:cNvPicPr>
             <a:picLocks noChangeAspect="1"/>
           </p:cNvPicPr>
@@ -2985,48 +3035,14 @@
         </p:blipFill>
         <p:spPr>
           <a:xfrm>
-            <a:off x="763441" y="2528021"/>
-            <a:ext cx="5090285" cy="1919288"/>
+            <a:off x="610251" y="2472322"/>
+            <a:ext cx="5180546" cy="2373998"/>
           </a:xfrm>
           <a:prstGeom prst="rect">
             <a:avLst/>
           </a:prstGeom>
         </p:spPr>
       </p:pic>
-      <p:sp>
-        <p:nvSpPr>
-          <p:cNvPr id="9" name="Content Placeholder 1"/>
-          <p:cNvSpPr>
-            <a:spLocks noGrp="1"/>
-          </p:cNvSpPr>
-          <p:nvPr>
-            <p:ph sz="half" idx="1"/>
-          </p:nvPr>
-        </p:nvSpPr>
-        <p:spPr>
-          <a:xfrm>
-            <a:off x="610251" y="1363277"/>
-            <a:ext cx="10836415" cy="422252"/>
-          </a:xfrm>
-        </p:spPr>
-        <p:txBody>
-          <a:bodyPr/>
-          <a:lstStyle/>
-          <a:p>
-            <a:pPr marL="0" indent="0">
-              <a:buNone/>
-            </a:pPr>
-            <a:r>
-              <a:rPr lang="en-US" dirty="0" smtClean="0">
-                <a:solidFill>
-                  <a:srgbClr val="2A3643"/>
-                </a:solidFill>
-              </a:rPr>
-              <a:t>Isomer Programmes section</a:t>
-            </a:r>
-          </a:p>
-        </p:txBody>
-      </p:sp>
     </p:spTree>
     <p:extLst>
       <p:ext uri="{BB962C8B-B14F-4D97-AF65-F5344CB8AC3E}">
@@ -3087,9 +3103,59 @@
           </a:p>
         </p:txBody>
       </p:sp>
+      <p:sp>
+        <p:nvSpPr>
+          <p:cNvPr id="9" name="Content Placeholder 1"/>
+          <p:cNvSpPr>
+            <a:spLocks noGrp="1"/>
+          </p:cNvSpPr>
+          <p:nvPr>
+            <p:ph sz="half" idx="1"/>
+          </p:nvPr>
+        </p:nvSpPr>
+        <p:spPr>
+          <a:xfrm>
+            <a:off x="610251" y="1363277"/>
+            <a:ext cx="10836415" cy="422252"/>
+          </a:xfrm>
+        </p:spPr>
+        <p:txBody>
+          <a:bodyPr/>
+          <a:lstStyle/>
+          <a:p>
+            <a:pPr marL="0" indent="0">
+              <a:buNone/>
+            </a:pPr>
+            <a:r>
+              <a:rPr lang="en-US" dirty="0" smtClean="0">
+                <a:solidFill>
+                  <a:srgbClr val="2A3643"/>
+                </a:solidFill>
+              </a:rPr>
+              <a:t>Isomer </a:t>
+            </a:r>
+            <a:r>
+              <a:rPr lang="en-US" dirty="0" smtClean="0">
+                <a:solidFill>
+                  <a:srgbClr val="2A3643"/>
+                </a:solidFill>
+              </a:rPr>
+              <a:t>Info </a:t>
+            </a:r>
+            <a:r>
+              <a:rPr lang="en-US" dirty="0" smtClean="0">
+                <a:solidFill>
+                  <a:srgbClr val="2A3643"/>
+                </a:solidFill>
+              </a:rPr>
+              <a:t>section</a:t>
+            </a:r>
+          </a:p>
+        </p:txBody>
+      </p:sp>
       <p:pic>
         <p:nvPicPr>
-          <p:cNvPr id="2" name="Picture 1"/>
+          <p:cNvPr id="3" name="Picture 2"/>
           <p:cNvPicPr>
             <a:picLocks noChangeAspect="1"/>
           </p:cNvPicPr>
@@ -3103,8 +3169,8 @@
         </p:blipFill>
         <p:spPr>
           <a:xfrm>
-            <a:off x="6028459" y="2528021"/>
-            <a:ext cx="5831673" cy="2016270"/>
+            <a:off x="5895201" y="2198915"/>
+            <a:ext cx="6017150" cy="2921725"/>
           </a:xfrm>
           <a:prstGeom prst="rect">
             <a:avLst/>
@@ -3118,7 +3184,7 @@
       </p:pic>
       <p:pic>
         <p:nvPicPr>
-          <p:cNvPr id="5" name="Picture 4"/>
+          <p:cNvPr id="6" name="Picture 5"/>
           <p:cNvPicPr>
             <a:picLocks noChangeAspect="1"/>
           </p:cNvPicPr>
@@ -3132,14 +3198,50 @@
         </p:blipFill>
         <p:spPr>
           <a:xfrm>
-            <a:off x="763441" y="2528021"/>
-            <a:ext cx="5090285" cy="1919288"/>
+            <a:off x="610251" y="2472322"/>
+            <a:ext cx="5180546" cy="2373998"/>
           </a:xfrm>
           <a:prstGeom prst="rect">
             <a:avLst/>
           </a:prstGeom>
         </p:spPr>
       </p:pic>
+      <p:cxnSp>
+        <p:nvCxnSpPr>
+          <p:cNvPr id="7" name="Straight Arrow Connector 6"/>
+          <p:cNvCxnSpPr/>
+          <p:nvPr/>
+        </p:nvCxnSpPr>
+        <p:spPr>
+          <a:xfrm flipV="1">
+            <a:off x="2259874" y="2690949"/>
+            <a:ext cx="4049486" cy="169818"/>
+          </a:xfrm>
+          <a:prstGeom prst="straightConnector1">
+            <a:avLst/>
+          </a:prstGeom>
+          <a:ln w="28575">
+            <a:solidFill>
+              <a:srgbClr val="C00000"/>
+            </a:solidFill>
+            <a:tailEnd type="triangle"/>
+          </a:ln>
+        </p:spPr>
+        <p:style>
+          <a:lnRef idx="1">
+            <a:schemeClr val="accent1"/>
+          </a:lnRef>
+          <a:fillRef idx="0">
+            <a:schemeClr val="accent1"/>
+          </a:fillRef>
+          <a:effectRef idx="0">
+            <a:schemeClr val="accent1"/>
+          </a:effectRef>
+          <a:fontRef idx="minor">
+            <a:schemeClr val="tx1"/>
+          </a:fontRef>
+        </p:style>
+      </p:cxnSp>
       <p:cxnSp>
         <p:nvCxnSpPr>
           <p:cNvPr id="8" name="Straight Arrow Connector 7"/>
@@ -3148,8 +3250,8 @@
         </p:nvCxnSpPr>
         <p:spPr>
           <a:xfrm flipV="1">
-            <a:off x="2369127" y="2784765"/>
-            <a:ext cx="6345382" cy="180108"/>
+            <a:off x="2913017" y="2965269"/>
+            <a:ext cx="3396343" cy="65314"/>
           </a:xfrm>
           <a:prstGeom prst="straightConnector1">
             <a:avLst/>
@@ -3183,9 +3285,9 @@
           <p:nvPr/>
         </p:nvCxnSpPr>
         <p:spPr>
-          <a:xfrm flipV="1">
-            <a:off x="3602181" y="3075709"/>
-            <a:ext cx="4156364" cy="69272"/>
+          <a:xfrm>
+            <a:off x="5601336" y="3659321"/>
+            <a:ext cx="431125" cy="24405"/>
           </a:xfrm>
           <a:prstGeom prst="straightConnector1">
             <a:avLst/>
@@ -3214,14 +3316,14 @@
       </p:cxnSp>
       <p:cxnSp>
         <p:nvCxnSpPr>
-          <p:cNvPr id="12" name="Straight Arrow Connector 11"/>
+          <p:cNvPr id="11" name="Straight Arrow Connector 10"/>
           <p:cNvCxnSpPr/>
           <p:nvPr/>
         </p:nvCxnSpPr>
         <p:spPr>
-          <a:xfrm flipV="1">
-            <a:off x="5853726" y="3487666"/>
-            <a:ext cx="1101256" cy="128370"/>
+          <a:xfrm>
+            <a:off x="3200400" y="4336870"/>
+            <a:ext cx="3108960" cy="222067"/>
           </a:xfrm>
           <a:prstGeom prst="straightConnector1">
             <a:avLst/>
@@ -3248,21 +3350,66 @@
           </a:fontRef>
         </p:style>
       </p:cxnSp>
+      <p:sp>
+        <p:nvSpPr>
+          <p:cNvPr id="12" name="TextBox 11"/>
+          <p:cNvSpPr txBox="1"/>
+          <p:nvPr/>
+        </p:nvSpPr>
+        <p:spPr>
+          <a:xfrm>
+            <a:off x="1764427" y="5270583"/>
+            <a:ext cx="1578495" cy="954107"/>
+          </a:xfrm>
+          <a:prstGeom prst="rect">
+            <a:avLst/>
+          </a:prstGeom>
+          <a:noFill/>
+          <a:ln w="19050">
+            <a:solidFill>
+              <a:srgbClr val="C00000"/>
+            </a:solidFill>
+          </a:ln>
+        </p:spPr>
+        <p:txBody>
+          <a:bodyPr wrap="square" rtlCol="0">
+            <a:spAutoFit/>
+          </a:bodyPr>
+          <a:lstStyle/>
+          <a:p>
+            <a:r>
+              <a:rPr lang="en-US" sz="1400" dirty="0" smtClean="0">
+                <a:solidFill>
+                  <a:srgbClr val="C00000"/>
+                </a:solidFill>
+              </a:rPr>
+              <a:t>the SAC website link when the user clicks on the ‘More About SAC’ button</a:t>
+            </a:r>
+            <a:endParaRPr lang="en-US" sz="1400" dirty="0">
+              <a:solidFill>
+                <a:srgbClr val="C00000"/>
+              </a:solidFill>
+            </a:endParaRPr>
+          </a:p>
+        </p:txBody>
+      </p:sp>
       <p:cxnSp>
         <p:nvCxnSpPr>
-          <p:cNvPr id="14" name="Straight Arrow Connector 13"/>
-          <p:cNvCxnSpPr/>
+          <p:cNvPr id="13" name="Straight Arrow Connector 12"/>
+          <p:cNvCxnSpPr>
+            <a:stCxn id="12" idx="0"/>
+          </p:cNvCxnSpPr>
           <p:nvPr/>
         </p:nvCxnSpPr>
         <p:spPr>
-          <a:xfrm>
-            <a:off x="3308583" y="4117658"/>
-            <a:ext cx="4962581" cy="166690"/>
+          <a:xfrm flipH="1" flipV="1">
+            <a:off x="2553674" y="4754880"/>
+            <a:ext cx="1" cy="515703"/>
           </a:xfrm>
           <a:prstGeom prst="straightConnector1">
             <a:avLst/>
           </a:prstGeom>
-          <a:ln w="28575">
+          <a:ln>
             <a:solidFill>
               <a:srgbClr val="C00000"/>
             </a:solidFill>
@@ -3286,66 +3433,25 @@
       </p:cxnSp>
       <p:sp>
         <p:nvSpPr>
-          <p:cNvPr id="16" name="TextBox 15"/>
-          <p:cNvSpPr txBox="1"/>
-          <p:nvPr/>
-        </p:nvSpPr>
-        <p:spPr>
-          <a:xfrm>
-            <a:off x="1085158" y="4892019"/>
-            <a:ext cx="1578495" cy="954107"/>
-          </a:xfrm>
-          <a:prstGeom prst="rect">
-            <a:avLst/>
-          </a:prstGeom>
-          <a:noFill/>
-          <a:ln w="19050">
+          <p:cNvPr id="22" name="Left Brace 21"/>
+          <p:cNvSpPr/>
+          <p:nvPr/>
+        </p:nvSpPr>
+        <p:spPr>
+          <a:xfrm>
+            <a:off x="6113417" y="3135085"/>
+            <a:ext cx="195942" cy="1293222"/>
+          </a:xfrm>
+          <a:prstGeom prst="leftBrace">
+            <a:avLst>
+              <a:gd name="adj1" fmla="val 40855"/>
+              <a:gd name="adj2" fmla="val 46825"/>
+            </a:avLst>
+          </a:prstGeom>
+          <a:ln w="28575">
             <a:solidFill>
               <a:srgbClr val="C00000"/>
             </a:solidFill>
-          </a:ln>
-        </p:spPr>
-        <p:txBody>
-          <a:bodyPr wrap="square" rtlCol="0">
-            <a:spAutoFit/>
-          </a:bodyPr>
-          <a:lstStyle/>
-          <a:p>
-            <a:r>
-              <a:rPr lang="en-US" sz="1400" dirty="0" smtClean="0">
-                <a:solidFill>
-                  <a:srgbClr val="C00000"/>
-                </a:solidFill>
-              </a:rPr>
-              <a:t>the SAC website link when the user clicks on the ‘More About SAC’ button</a:t>
-            </a:r>
-            <a:endParaRPr lang="en-US" sz="1400" dirty="0">
-              <a:solidFill>
-                <a:srgbClr val="C00000"/>
-              </a:solidFill>
-            </a:endParaRPr>
-          </a:p>
-        </p:txBody>
-      </p:sp>
-      <p:cxnSp>
-        <p:nvCxnSpPr>
-          <p:cNvPr id="17" name="Straight Arrow Connector 16"/>
-          <p:cNvCxnSpPr/>
-          <p:nvPr/>
-        </p:nvCxnSpPr>
-        <p:spPr>
-          <a:xfrm flipV="1">
-            <a:off x="1981200" y="4447309"/>
-            <a:ext cx="682453" cy="423520"/>
-          </a:xfrm>
-          <a:prstGeom prst="straightConnector1">
-            <a:avLst/>
-          </a:prstGeom>
-          <a:ln>
-            <a:solidFill>
-              <a:srgbClr val="C00000"/>
-            </a:solidFill>
-            <a:tailEnd type="triangle"/>
           </a:ln>
         </p:spPr>
         <p:style>
@@ -3362,45 +3468,23 @@
             <a:schemeClr val="tx1"/>
           </a:fontRef>
         </p:style>
-      </p:cxnSp>
-      <p:sp>
-        <p:nvSpPr>
-          <p:cNvPr id="24" name="Content Placeholder 1"/>
-          <p:cNvSpPr>
-            <a:spLocks noGrp="1"/>
-          </p:cNvSpPr>
-          <p:nvPr>
-            <p:ph sz="half" idx="1"/>
-          </p:nvPr>
-        </p:nvSpPr>
-        <p:spPr>
-          <a:xfrm>
-            <a:off x="610251" y="1363277"/>
-            <a:ext cx="10836415" cy="422252"/>
-          </a:xfrm>
-        </p:spPr>
-        <p:txBody>
-          <a:bodyPr/>
+        <p:txBody>
+          <a:bodyPr rtlCol="0" anchor="ctr"/>
           <a:lstStyle/>
           <a:p>
-            <a:pPr marL="0" indent="0">
-              <a:buNone/>
-            </a:pPr>
-            <a:r>
-              <a:rPr lang="en-US" dirty="0" smtClean="0">
-                <a:solidFill>
-                  <a:srgbClr val="2A3643"/>
-                </a:solidFill>
-              </a:rPr>
-              <a:t>Isomer Programmes section</a:t>
-            </a:r>
+            <a:pPr algn="ctr"/>
+            <a:endParaRPr lang="en-US">
+              <a:solidFill>
+                <a:srgbClr val="53565A"/>
+              </a:solidFill>
+            </a:endParaRPr>
           </a:p>
         </p:txBody>
       </p:sp>
     </p:spTree>
     <p:extLst>
       <p:ext uri="{BB962C8B-B14F-4D97-AF65-F5344CB8AC3E}">
-        <p14:creationId xmlns:p14="http://schemas.microsoft.com/office/powerpoint/2010/main" val="1060989327"/>
+        <p14:creationId xmlns:p14="http://schemas.microsoft.com/office/powerpoint/2010/main" val="1877674580"/>
       </p:ext>
     </p:extLst>
   </p:cSld>
@@ -4284,7 +4368,17 @@
                 <a:latin typeface="Arial" panose="020B0604020202020204" pitchFamily="34" charset="0"/>
                 <a:cs typeface="Arial" panose="020B0604020202020204" pitchFamily="34" charset="0"/>
               </a:rPr>
-              <a:t>indentation spacing </a:t>
+              <a:t>indentation </a:t>
+            </a:r>
+            <a:r>
+              <a:rPr lang="en-US" dirty="0" smtClean="0">
+                <a:solidFill>
+                  <a:srgbClr val="C00000"/>
+                </a:solidFill>
+                <a:latin typeface="Arial" panose="020B0604020202020204" pitchFamily="34" charset="0"/>
+                <a:cs typeface="Arial" panose="020B0604020202020204" pitchFamily="34" charset="0"/>
+              </a:rPr>
+              <a:t>/ spacing </a:t>
             </a:r>
             <a:r>
               <a:rPr lang="en-US" dirty="0">
@@ -4365,37 +4459,7 @@
                 <a:latin typeface="Arial" panose="020B0604020202020204" pitchFamily="34" charset="0"/>
                 <a:cs typeface="Arial" panose="020B0604020202020204" pitchFamily="34" charset="0"/>
               </a:rPr>
-              <a:t>Do not change the wording of the </a:t>
-            </a:r>
-            <a:r>
-              <a:rPr lang="en-US" smtClean="0">
-                <a:solidFill>
-                  <a:srgbClr val="C00000"/>
-                </a:solidFill>
-                <a:latin typeface="Arial" panose="020B0604020202020204" pitchFamily="34" charset="0"/>
-                <a:cs typeface="Arial" panose="020B0604020202020204" pitchFamily="34" charset="0"/>
-              </a:rPr>
-              <a:t>key </a:t>
-            </a:r>
-            <a:r>
-              <a:rPr lang="en-US" smtClean="0">
-                <a:solidFill>
-                  <a:srgbClr val="C00000"/>
-                </a:solidFill>
-                <a:latin typeface="Arial" panose="020B0604020202020204" pitchFamily="34" charset="0"/>
-                <a:cs typeface="Arial" panose="020B0604020202020204" pitchFamily="34" charset="0"/>
-              </a:rPr>
-              <a:t>values </a:t>
-            </a:r>
-            <a:r>
-              <a:rPr lang="en-US" dirty="0" smtClean="0">
-                <a:solidFill>
-                  <a:srgbClr val="C00000"/>
-                </a:solidFill>
-                <a:latin typeface="Arial" panose="020B0604020202020204" pitchFamily="34" charset="0"/>
-                <a:cs typeface="Arial" panose="020B0604020202020204" pitchFamily="34" charset="0"/>
-              </a:rPr>
-              <a:t>(e.g. “favicon:”, “agency-logo:”, “hero-title:”)</a:t>
+              <a:t>Do not change the wording of the key values (e.g. “favicon:”, “agency-logo:”, “hero-title:”)</a:t>
             </a:r>
             <a:endParaRPr lang="en-US" dirty="0">
               <a:solidFill>
@@ -5428,7 +5492,7 @@
       </p:sp>
       <p:pic>
         <p:nvPicPr>
-          <p:cNvPr id="2" name="Picture 1"/>
+          <p:cNvPr id="3" name="Picture 2"/>
           <p:cNvPicPr>
             <a:picLocks noChangeAspect="1"/>
           </p:cNvPicPr>
@@ -5442,8 +5506,8 @@
         </p:blipFill>
         <p:spPr>
           <a:xfrm>
-            <a:off x="2910704" y="1629319"/>
-            <a:ext cx="5763032" cy="5128192"/>
+            <a:off x="3099767" y="1465290"/>
+            <a:ext cx="5575705" cy="5320769"/>
           </a:xfrm>
           <a:prstGeom prst="rect">
             <a:avLst/>
@@ -5492,6 +5556,35 @@
           <a:chExt cx="0" cy="0"/>
         </a:xfrm>
       </p:grpSpPr>
+      <p:pic>
+        <p:nvPicPr>
+          <p:cNvPr id="25" name="Picture 24"/>
+          <p:cNvPicPr>
+            <a:picLocks noChangeAspect="1"/>
+          </p:cNvPicPr>
+          <p:nvPr/>
+        </p:nvPicPr>
+        <p:blipFill>
+          <a:blip r:embed="rId2"/>
+          <a:stretch>
+            <a:fillRect/>
+          </a:stretch>
+        </p:blipFill>
+        <p:spPr>
+          <a:xfrm>
+            <a:off x="3099767" y="1465290"/>
+            <a:ext cx="5575705" cy="5320769"/>
+          </a:xfrm>
+          <a:prstGeom prst="rect">
+            <a:avLst/>
+          </a:prstGeom>
+          <a:ln>
+            <a:solidFill>
+              <a:srgbClr val="53565A"/>
+            </a:solidFill>
+          </a:ln>
+        </p:spPr>
+      </p:pic>
       <p:sp>
         <p:nvSpPr>
           <p:cNvPr id="4" name="Title 3"/>
@@ -5515,35 +5608,6 @@
           </a:p>
         </p:txBody>
       </p:sp>
-      <p:pic>
-        <p:nvPicPr>
-          <p:cNvPr id="2" name="Picture 1"/>
-          <p:cNvPicPr>
-            <a:picLocks noChangeAspect="1"/>
-          </p:cNvPicPr>
-          <p:nvPr/>
-        </p:nvPicPr>
-        <p:blipFill>
-          <a:blip r:embed="rId2"/>
-          <a:stretch>
-            <a:fillRect/>
-          </a:stretch>
-        </p:blipFill>
-        <p:spPr>
-          <a:xfrm>
-            <a:off x="2910704" y="1629319"/>
-            <a:ext cx="5763032" cy="5128192"/>
-          </a:xfrm>
-          <a:prstGeom prst="rect">
-            <a:avLst/>
-          </a:prstGeom>
-          <a:ln>
-            <a:solidFill>
-              <a:srgbClr val="53565A"/>
-            </a:solidFill>
-          </a:ln>
-        </p:spPr>
-      </p:pic>
       <p:sp>
         <p:nvSpPr>
           <p:cNvPr id="5" name="TextBox 4"/>
@@ -5552,8 +5616,8 @@
         </p:nvSpPr>
         <p:spPr>
           <a:xfrm>
-            <a:off x="863274" y="2088585"/>
-            <a:ext cx="1408505" cy="923330"/>
+            <a:off x="1042563" y="2339441"/>
+            <a:ext cx="1336500" cy="646331"/>
           </a:xfrm>
           <a:prstGeom prst="rect">
             <a:avLst/>
@@ -5575,7 +5639,23 @@
                   <a:srgbClr val="53565A"/>
                 </a:solidFill>
               </a:rPr>
-              <a:t>Isomer Programmes Section</a:t>
+              <a:t>Isomer </a:t>
+            </a:r>
+            <a:r>
+              <a:rPr lang="en-US" dirty="0" smtClean="0">
+                <a:solidFill>
+                  <a:srgbClr val="53565A"/>
+                </a:solidFill>
+              </a:rPr>
+              <a:t>Info </a:t>
+            </a:r>
+            <a:r>
+              <a:rPr lang="en-US" dirty="0" smtClean="0">
+                <a:solidFill>
+                  <a:srgbClr val="53565A"/>
+                </a:solidFill>
+              </a:rPr>
+              <a:t>Section</a:t>
             </a:r>
             <a:endParaRPr lang="en-US" dirty="0">
               <a:solidFill>
@@ -5593,7 +5673,7 @@
         </p:nvSpPr>
         <p:spPr>
           <a:xfrm>
-            <a:off x="1159126" y="4717758"/>
+            <a:off x="1183102" y="4923108"/>
             <a:ext cx="1132113" cy="923330"/>
           </a:xfrm>
           <a:prstGeom prst="rect">
@@ -5634,8 +5714,8 @@
         </p:nvSpPr>
         <p:spPr>
           <a:xfrm>
-            <a:off x="2325188" y="1629319"/>
-            <a:ext cx="441824" cy="1841863"/>
+            <a:off x="2499485" y="1628426"/>
+            <a:ext cx="441824" cy="2068363"/>
           </a:xfrm>
           <a:prstGeom prst="leftBrace">
             <a:avLst>
@@ -5684,7 +5764,7 @@
         </p:nvSpPr>
         <p:spPr>
           <a:xfrm>
-            <a:off x="2362063" y="3944983"/>
+            <a:off x="2476859" y="4150333"/>
             <a:ext cx="441824" cy="2468880"/>
           </a:xfrm>
           <a:prstGeom prst="leftBrace">
@@ -5734,8 +5814,8 @@
         </p:nvSpPr>
         <p:spPr>
           <a:xfrm>
-            <a:off x="9054842" y="2026138"/>
-            <a:ext cx="1499947" cy="523220"/>
+            <a:off x="9089506" y="1800442"/>
+            <a:ext cx="1708952" cy="307777"/>
           </a:xfrm>
           <a:prstGeom prst="rect">
             <a:avLst/>
@@ -5752,12 +5832,20 @@
           <a:lstStyle/>
           <a:p>
             <a:r>
+              <a:rPr lang="en-US" sz="1400" dirty="0">
+                <a:solidFill>
+                  <a:srgbClr val="53565A"/>
+                </a:solidFill>
+              </a:rPr>
+              <a:t>Info Section </a:t>
+            </a:r>
+            <a:r>
               <a:rPr lang="en-US" sz="1400" dirty="0" smtClean="0">
                 <a:solidFill>
                   <a:srgbClr val="53565A"/>
                 </a:solidFill>
               </a:rPr>
-              <a:t>Programmes Subtitle</a:t>
+              <a:t>Subtitle</a:t>
             </a:r>
             <a:endParaRPr lang="en-US" sz="1400" dirty="0">
               <a:solidFill>
@@ -5777,8 +5865,8 @@
         </p:nvCxnSpPr>
         <p:spPr>
           <a:xfrm flipH="1" flipV="1">
-            <a:off x="6897192" y="2180027"/>
-            <a:ext cx="2157650" cy="107721"/>
+            <a:off x="4767943" y="1915585"/>
+            <a:ext cx="4321563" cy="38746"/>
           </a:xfrm>
           <a:prstGeom prst="straightConnector1">
             <a:avLst/>
@@ -5813,7 +5901,7 @@
         </p:nvSpPr>
         <p:spPr>
           <a:xfrm>
-            <a:off x="9054842" y="1679135"/>
+            <a:off x="9054842" y="1469379"/>
             <a:ext cx="1499947" cy="307777"/>
           </a:xfrm>
           <a:prstGeom prst="rect">
@@ -5836,7 +5924,7 @@
                   <a:srgbClr val="53565A"/>
                 </a:solidFill>
               </a:rPr>
-              <a:t>Programmes title</a:t>
+              <a:t>Info Section title</a:t>
             </a:r>
             <a:endParaRPr lang="en-US" sz="1400" dirty="0">
               <a:solidFill>
@@ -5855,9 +5943,9 @@
           <p:nvPr/>
         </p:nvCxnSpPr>
         <p:spPr>
-          <a:xfrm flipH="1">
-            <a:off x="5978437" y="1833024"/>
-            <a:ext cx="3076405" cy="98772"/>
+          <a:xfrm flipH="1" flipV="1">
+            <a:off x="3827417" y="1622612"/>
+            <a:ext cx="5227425" cy="656"/>
           </a:xfrm>
           <a:prstGeom prst="straightConnector1">
             <a:avLst/>
@@ -5892,7 +5980,7 @@
         </p:nvSpPr>
         <p:spPr>
           <a:xfrm>
-            <a:off x="9199588" y="2703247"/>
+            <a:off x="9234252" y="2353700"/>
             <a:ext cx="1564206" cy="523220"/>
           </a:xfrm>
           <a:prstGeom prst="rect">
@@ -5910,12 +5998,12 @@
           <a:lstStyle/>
           <a:p>
             <a:r>
-              <a:rPr lang="en-US" sz="1400" dirty="0" smtClean="0">
+              <a:rPr lang="en-US" sz="1400" dirty="0">
                 <a:solidFill>
                   <a:srgbClr val="53565A"/>
                 </a:solidFill>
               </a:rPr>
-              <a:t>Programmes description</a:t>
+              <a:t>Info Section description</a:t>
             </a:r>
             <a:endParaRPr lang="en-US" sz="1400" dirty="0">
               <a:solidFill>
@@ -5935,8 +6023,8 @@
         </p:nvCxnSpPr>
         <p:spPr>
           <a:xfrm flipH="1" flipV="1">
-            <a:off x="7602584" y="2703247"/>
-            <a:ext cx="1597004" cy="261610"/>
+            <a:off x="5603966" y="2525211"/>
+            <a:ext cx="3630286" cy="90099"/>
           </a:xfrm>
           <a:prstGeom prst="straightConnector1">
             <a:avLst/>
@@ -5971,7 +6059,7 @@
         </p:nvSpPr>
         <p:spPr>
           <a:xfrm>
-            <a:off x="8960102" y="3265693"/>
+            <a:off x="9054842" y="3511992"/>
             <a:ext cx="2927097" cy="307777"/>
           </a:xfrm>
           <a:prstGeom prst="rect">
@@ -5994,7 +6082,15 @@
                   <a:srgbClr val="53565A"/>
                 </a:solidFill>
               </a:rPr>
-              <a:t>Programmes more button</a:t>
+              <a:t>Info Section </a:t>
+            </a:r>
+            <a:r>
+              <a:rPr lang="en-US" sz="1400" dirty="0" smtClean="0">
+                <a:solidFill>
+                  <a:srgbClr val="53565A"/>
+                </a:solidFill>
+              </a:rPr>
+              <a:t>more button</a:t>
             </a:r>
             <a:endParaRPr lang="en-US" sz="1400" dirty="0">
               <a:solidFill>
@@ -6014,8 +6110,8 @@
         </p:nvCxnSpPr>
         <p:spPr>
           <a:xfrm flipH="1" flipV="1">
-            <a:off x="6335486" y="3265694"/>
-            <a:ext cx="2624616" cy="153888"/>
+            <a:off x="4506686" y="3397110"/>
+            <a:ext cx="4548156" cy="268771"/>
           </a:xfrm>
           <a:prstGeom prst="straightConnector1">
             <a:avLst/>
@@ -6092,9 +6188,9 @@
           <p:nvPr/>
         </p:nvCxnSpPr>
         <p:spPr>
-          <a:xfrm flipH="1" flipV="1">
-            <a:off x="6113418" y="3942803"/>
-            <a:ext cx="3389726" cy="261610"/>
+          <a:xfrm flipH="1">
+            <a:off x="6335486" y="4204413"/>
+            <a:ext cx="3167658" cy="200193"/>
           </a:xfrm>
           <a:prstGeom prst="straightConnector1">
             <a:avLst/>
@@ -6172,8 +6268,8 @@
         </p:nvCxnSpPr>
         <p:spPr>
           <a:xfrm flipH="1" flipV="1">
-            <a:off x="6573512" y="4204414"/>
-            <a:ext cx="2929632" cy="477053"/>
+            <a:off x="6701246" y="4681466"/>
+            <a:ext cx="2801898" cy="1"/>
           </a:xfrm>
           <a:prstGeom prst="straightConnector1">
             <a:avLst/>
@@ -6251,8 +6347,8 @@
         </p:nvCxnSpPr>
         <p:spPr>
           <a:xfrm flipH="1">
-            <a:off x="6426926" y="6275104"/>
-            <a:ext cx="3076218" cy="34257"/>
+            <a:off x="6583680" y="6275104"/>
+            <a:ext cx="2919464" cy="344109"/>
           </a:xfrm>
           <a:prstGeom prst="straightConnector1">
             <a:avLst/>
@@ -6260,6 +6356,85 @@
           <a:ln w="28575">
             <a:solidFill>
               <a:srgbClr val="C00000"/>
+            </a:solidFill>
+            <a:tailEnd type="triangle"/>
+          </a:ln>
+        </p:spPr>
+        <p:style>
+          <a:lnRef idx="1">
+            <a:schemeClr val="accent1"/>
+          </a:lnRef>
+          <a:fillRef idx="0">
+            <a:schemeClr val="accent1"/>
+          </a:fillRef>
+          <a:effectRef idx="0">
+            <a:schemeClr val="accent1"/>
+          </a:effectRef>
+          <a:fontRef idx="minor">
+            <a:schemeClr val="tx1"/>
+          </a:fontRef>
+        </p:style>
+      </p:cxnSp>
+      <p:sp>
+        <p:nvSpPr>
+          <p:cNvPr id="34" name="TextBox 33"/>
+          <p:cNvSpPr txBox="1"/>
+          <p:nvPr/>
+        </p:nvSpPr>
+        <p:spPr>
+          <a:xfrm>
+            <a:off x="9114766" y="3027040"/>
+            <a:ext cx="1888325" cy="307777"/>
+          </a:xfrm>
+          <a:prstGeom prst="rect">
+            <a:avLst/>
+          </a:prstGeom>
+          <a:noFill/>
+          <a:ln w="19050">
+            <a:noFill/>
+          </a:ln>
+        </p:spPr>
+        <p:txBody>
+          <a:bodyPr wrap="square" rtlCol="0">
+            <a:spAutoFit/>
+          </a:bodyPr>
+          <a:lstStyle/>
+          <a:p>
+            <a:r>
+              <a:rPr lang="en-US" sz="1400" dirty="0" smtClean="0">
+                <a:solidFill>
+                  <a:srgbClr val="53565A"/>
+                </a:solidFill>
+              </a:rPr>
+              <a:t>Info Section Image Path</a:t>
+            </a:r>
+            <a:endParaRPr lang="en-US" sz="1400" dirty="0">
+              <a:solidFill>
+                <a:srgbClr val="53565A"/>
+              </a:solidFill>
+            </a:endParaRPr>
+          </a:p>
+        </p:txBody>
+      </p:sp>
+      <p:cxnSp>
+        <p:nvCxnSpPr>
+          <p:cNvPr id="35" name="Straight Arrow Connector 34"/>
+          <p:cNvCxnSpPr>
+            <a:stCxn id="34" idx="1"/>
+          </p:cNvCxnSpPr>
+          <p:nvPr/>
+        </p:nvCxnSpPr>
+        <p:spPr>
+          <a:xfrm flipH="1" flipV="1">
+            <a:off x="8569234" y="3087830"/>
+            <a:ext cx="545532" cy="93099"/>
+          </a:xfrm>
+          <a:prstGeom prst="straightConnector1">
+            <a:avLst/>
+          </a:prstGeom>
+          <a:ln w="28575">
+            <a:solidFill>
+              <a:srgbClr val="53565A"/>
             </a:solidFill>
             <a:tailEnd type="triangle"/>
           </a:ln>
@@ -6863,8 +7038,8 @@
         </p:nvSpPr>
         <p:spPr>
           <a:xfrm>
-            <a:off x="447942" y="2420446"/>
-            <a:ext cx="1589864" cy="2031325"/>
+            <a:off x="447942" y="2394321"/>
+            <a:ext cx="1589864" cy="1600438"/>
           </a:xfrm>
           <a:prstGeom prst="rect">
             <a:avLst/>
@@ -6886,7 +7061,31 @@
                   <a:srgbClr val="C00000"/>
                 </a:solidFill>
               </a:rPr>
-              <a:t>Breadcrumb navigation here shows that you are currently at homepage.yml file inside the _data folder of the enterprisesg-sac Github repository</a:t>
+              <a:t>Current path shows </a:t>
+            </a:r>
+            <a:r>
+              <a:rPr lang="en-US" sz="1400" dirty="0" smtClean="0">
+                <a:solidFill>
+                  <a:srgbClr val="C00000"/>
+                </a:solidFill>
+              </a:rPr>
+              <a:t>that you are </a:t>
+            </a:r>
+            <a:r>
+              <a:rPr lang="en-US" sz="1400" dirty="0" smtClean="0">
+                <a:solidFill>
+                  <a:srgbClr val="C00000"/>
+                </a:solidFill>
+              </a:rPr>
+              <a:t>at </a:t>
+            </a:r>
+            <a:r>
+              <a:rPr lang="en-US" sz="1400" dirty="0" smtClean="0">
+                <a:solidFill>
+                  <a:srgbClr val="C00000"/>
+                </a:solidFill>
+              </a:rPr>
+              <a:t>homepage.yml file inside the _data folder of the enterprisesg-sac Github repository</a:t>
             </a:r>
             <a:endParaRPr lang="en-US" sz="1400" dirty="0">
               <a:solidFill>
@@ -6906,8 +7105,8 @@
         </p:nvCxnSpPr>
         <p:spPr>
           <a:xfrm flipV="1">
-            <a:off x="2037806" y="2090057"/>
-            <a:ext cx="1541417" cy="1346052"/>
+            <a:off x="2037806" y="2063932"/>
+            <a:ext cx="1541417" cy="1130608"/>
           </a:xfrm>
           <a:prstGeom prst="straightConnector1">
             <a:avLst/>
